--- a/Portfolio_Cohen-Solal.pptx
+++ b/Portfolio_Cohen-Solal.pptx
@@ -199,7 +199,7 @@
           <a:p>
             <a:fld id="{EB75C902-CCE7-4564-8F02-FCB0042D0AEC}" type="datetimeFigureOut">
               <a:rPr lang="fr-FR" smtClean="0"/>
-              <a:t>07/11/2024</a:t>
+              <a:t>15/11/2024</a:t>
             </a:fld>
             <a:endParaRPr lang="fr-FR"/>
           </a:p>
@@ -613,7 +613,7 @@
           <a:p>
             <a:fld id="{7D01C5F1-D48E-490C-BD3D-57776C4C97EC}" type="datetime1">
               <a:rPr lang="fr-FR" smtClean="0"/>
-              <a:t>07/11/2024</a:t>
+              <a:t>15/11/2024</a:t>
             </a:fld>
             <a:endParaRPr lang="fr-FR"/>
           </a:p>
@@ -811,7 +811,7 @@
           <a:p>
             <a:fld id="{D9A99C71-F7CD-4B1A-9AE9-AC22B2990ECB}" type="datetime1">
               <a:rPr lang="fr-FR" smtClean="0"/>
-              <a:t>07/11/2024</a:t>
+              <a:t>15/11/2024</a:t>
             </a:fld>
             <a:endParaRPr lang="fr-FR"/>
           </a:p>
@@ -1019,7 +1019,7 @@
           <a:p>
             <a:fld id="{33E19408-4F7E-4F9B-AD2D-B3037E8169AB}" type="datetime1">
               <a:rPr lang="fr-FR" smtClean="0"/>
-              <a:t>07/11/2024</a:t>
+              <a:t>15/11/2024</a:t>
             </a:fld>
             <a:endParaRPr lang="fr-FR"/>
           </a:p>
@@ -1217,7 +1217,7 @@
           <a:p>
             <a:fld id="{416F81F6-7E39-49C6-BCBF-F96CB6B286D2}" type="datetime1">
               <a:rPr lang="fr-FR" smtClean="0"/>
-              <a:t>07/11/2024</a:t>
+              <a:t>15/11/2024</a:t>
             </a:fld>
             <a:endParaRPr lang="fr-FR"/>
           </a:p>
@@ -1492,7 +1492,7 @@
           <a:p>
             <a:fld id="{446CB5FC-21BC-4391-8F6B-486D6475E40E}" type="datetime1">
               <a:rPr lang="fr-FR" smtClean="0"/>
-              <a:t>07/11/2024</a:t>
+              <a:t>15/11/2024</a:t>
             </a:fld>
             <a:endParaRPr lang="fr-FR"/>
           </a:p>
@@ -1757,7 +1757,7 @@
           <a:p>
             <a:fld id="{2CD845FA-2477-47B6-9C2F-7A6EBDCB8FBF}" type="datetime1">
               <a:rPr lang="fr-FR" smtClean="0"/>
-              <a:t>07/11/2024</a:t>
+              <a:t>15/11/2024</a:t>
             </a:fld>
             <a:endParaRPr lang="fr-FR"/>
           </a:p>
@@ -2169,7 +2169,7 @@
           <a:p>
             <a:fld id="{F875A777-4C22-4D11-819F-7FEDAD473B20}" type="datetime1">
               <a:rPr lang="fr-FR" smtClean="0"/>
-              <a:t>07/11/2024</a:t>
+              <a:t>15/11/2024</a:t>
             </a:fld>
             <a:endParaRPr lang="fr-FR"/>
           </a:p>
@@ -2310,7 +2310,7 @@
           <a:p>
             <a:fld id="{443F1C06-29C2-4829-9A6D-DD796AF5BDFE}" type="datetime1">
               <a:rPr lang="fr-FR" smtClean="0"/>
-              <a:t>07/11/2024</a:t>
+              <a:t>15/11/2024</a:t>
             </a:fld>
             <a:endParaRPr lang="fr-FR"/>
           </a:p>
@@ -2423,7 +2423,7 @@
           <a:p>
             <a:fld id="{67A05E26-7233-47B5-8F14-ACF2AFA386AB}" type="datetime1">
               <a:rPr lang="fr-FR" smtClean="0"/>
-              <a:t>07/11/2024</a:t>
+              <a:t>15/11/2024</a:t>
             </a:fld>
             <a:endParaRPr lang="fr-FR"/>
           </a:p>
@@ -2734,7 +2734,7 @@
           <a:p>
             <a:fld id="{C1250432-4283-442F-914D-A39C48C10806}" type="datetime1">
               <a:rPr lang="fr-FR" smtClean="0"/>
-              <a:t>07/11/2024</a:t>
+              <a:t>15/11/2024</a:t>
             </a:fld>
             <a:endParaRPr lang="fr-FR"/>
           </a:p>
@@ -3022,7 +3022,7 @@
           <a:p>
             <a:fld id="{E86EF646-147E-4C94-BEC4-E794C0B01157}" type="datetime1">
               <a:rPr lang="fr-FR" smtClean="0"/>
-              <a:t>07/11/2024</a:t>
+              <a:t>15/11/2024</a:t>
             </a:fld>
             <a:endParaRPr lang="fr-FR"/>
           </a:p>
@@ -3263,7 +3263,7 @@
           <a:p>
             <a:fld id="{CDDC2AA2-72CA-41F2-915E-FD2AED34AFDA}" type="datetime1">
               <a:rPr lang="fr-FR" smtClean="0"/>
-              <a:t>07/11/2024</a:t>
+              <a:t>15/11/2024</a:t>
             </a:fld>
             <a:endParaRPr lang="fr-FR"/>
           </a:p>
@@ -3784,22 +3784,6 @@
                 <a:cs typeface="Calibri" panose="020F0502020204030204" pitchFamily="34" charset="0"/>
               </a:rPr>
               <a:t>Application de réalité augmentée avec détection d’objet</a:t>
-            </a:r>
-          </a:p>
-          <a:p>
-            <a:pPr marL="1428750" lvl="2" indent="-514350">
-              <a:buFont typeface="+mj-lt"/>
-              <a:buAutoNum type="romanUcPeriod"/>
-            </a:pPr>
-            <a:r>
-              <a:rPr lang="fr-FR" sz="2400" dirty="0">
-                <a:solidFill>
-                  <a:schemeClr val="tx1"/>
-                </a:solidFill>
-                <a:latin typeface="Calibri" panose="020F0502020204030204" pitchFamily="34" charset="0"/>
-                <a:cs typeface="Calibri" panose="020F0502020204030204" pitchFamily="34" charset="0"/>
-              </a:rPr>
-              <a:t>Analyse de données : équipe de France de football 1998 et 2018</a:t>
             </a:r>
           </a:p>
         </p:txBody>
